--- a/ppt Assignment.pptx
+++ b/ppt Assignment.pptx
@@ -3739,11 +3739,11 @@
             </a:r>
             <a:r>
               <a:rPr lang="en-US" sz="1400" b="0" dirty="0"/>
-              <a:t>to remove similar </a:t>
+              <a:t>to remove </a:t>
             </a:r>
             <a:r>
               <a:rPr lang="en-US" sz="1400" b="0" dirty="0" smtClean="0"/>
-              <a:t>features.</a:t>
+              <a:t>correlated features.</a:t>
             </a:r>
           </a:p>
           <a:p>
@@ -3767,7 +3767,7 @@
             </a:r>
             <a:r>
               <a:rPr lang="en-US" sz="1400" b="0" dirty="0" smtClean="0"/>
-              <a:t> and (Delayed/Cancelled), The Evaluation metrics chosen is Accuracy.</a:t>
+              <a:t> and (Delayed/Cancelled), so the Evaluation metrics chosen is Accuracy.</a:t>
             </a:r>
           </a:p>
           <a:p>
@@ -3941,23 +3941,15 @@
             </a:pPr>
             <a:r>
               <a:rPr lang="en-US" sz="1400" b="0" dirty="0"/>
-              <a:t>Using correlation metrics,</a:t>
-            </a:r>
-          </a:p>
-          <a:p>
-            <a:pPr marL="285750" indent="-285750">
-              <a:spcBef>
-                <a:spcPts val="850"/>
-              </a:spcBef>
-              <a:buClr>
-                <a:schemeClr val="tx2"/>
-              </a:buClr>
-              <a:buFont typeface="Wingdings" panose="05000000000000000000" pitchFamily="2" charset="2"/>
-              <a:buChar char="Ø"/>
-            </a:pPr>
+              <a:t>Using correlation </a:t>
+            </a:r>
+            <a:r>
+              <a:rPr lang="en-US" sz="1400" b="0" dirty="0" smtClean="0"/>
+              <a:t>metrics, Removed </a:t>
+            </a:r>
             <a:r>
               <a:rPr lang="en-US" sz="1400" b="0" dirty="0"/>
-              <a:t>Removed the related </a:t>
+              <a:t>the related </a:t>
             </a:r>
             <a:r>
               <a:rPr lang="en-US" sz="1400" b="0" dirty="0" smtClean="0"/>
@@ -4224,6 +4216,10 @@
               <a:rPr lang="en-US" sz="1400" b="0" dirty="0"/>
               <a:t>Most important feature for classification is </a:t>
             </a:r>
+            <a:r>
+              <a:rPr lang="en-US" sz="1400" b="0" dirty="0" err="1" smtClean="0"/>
+              <a:t>Flight_origin_code_iata</a:t>
+            </a:r>
             <a:endParaRPr lang="en-US" sz="1400" b="0" dirty="0"/>
           </a:p>
         </p:txBody>
@@ -4515,11 +4511,27 @@
             </a:pPr>
             <a:r>
               <a:rPr lang="en-US" sz="1400" b="0" dirty="0"/>
-              <a:t>The labels are missing, from dataset which created using data provided</a:t>
+              <a:t>The labels are missing, from dataset which </a:t>
             </a:r>
             <a:r>
               <a:rPr lang="en-US" sz="1400" b="0" dirty="0" smtClean="0"/>
-              <a:t>.</a:t>
+              <a:t>is created </a:t>
+            </a:r>
+            <a:r>
+              <a:rPr lang="en-US" sz="1400" b="0" dirty="0"/>
+              <a:t>using data </a:t>
+            </a:r>
+            <a:r>
+              <a:rPr lang="en-US" sz="1400" b="0" dirty="0" smtClean="0"/>
+              <a:t>provided</a:t>
+            </a:r>
+            <a:r>
+              <a:rPr lang="en-US" sz="1400" b="0" dirty="0"/>
+              <a:t> </a:t>
+            </a:r>
+            <a:r>
+              <a:rPr lang="en-US" sz="1400" b="0" dirty="0" smtClean="0"/>
+              <a:t>latter.</a:t>
             </a:r>
           </a:p>
           <a:p>
@@ -4841,7 +4853,15 @@
             </a:r>
             <a:r>
               <a:rPr lang="en-US" sz="1400" b="0" dirty="0"/>
-              <a:t> lying between UTC +1800 and UTC -1800</a:t>
+              <a:t> lying between UTC </a:t>
+            </a:r>
+            <a:r>
+              <a:rPr lang="en-US" sz="1400" b="0" dirty="0" smtClean="0"/>
+              <a:t>and </a:t>
+            </a:r>
+            <a:r>
+              <a:rPr lang="en-US" sz="1400" b="0" dirty="0"/>
+              <a:t>UTC -1800</a:t>
             </a:r>
           </a:p>
           <a:p>
@@ -5033,7 +5053,15 @@
             </a:r>
             <a:r>
               <a:rPr lang="en-US" sz="1400" b="0" dirty="0"/>
-              <a:t>, labels are decided one </a:t>
+              <a:t>, labels are </a:t>
+            </a:r>
+            <a:r>
+              <a:rPr lang="en-US" sz="1400" b="0" dirty="0" smtClean="0"/>
+              <a:t>decided, </a:t>
+            </a:r>
+            <a:r>
+              <a:rPr lang="en-US" sz="1400" b="0" dirty="0"/>
+              <a:t>one </a:t>
             </a:r>
             <a:r>
               <a:rPr lang="en-US" sz="1400" b="0" dirty="0"/>
@@ -5461,8 +5489,13 @@
             </a:pPr>
             <a:r>
               <a:rPr lang="en-US" sz="1400" b="0" dirty="0"/>
-              <a:t>Airport with most Travels</a:t>
-            </a:r>
+              <a:t>Airport with most </a:t>
+            </a:r>
+            <a:r>
+              <a:rPr lang="en-US" sz="1400" b="0" dirty="0" smtClean="0"/>
+              <a:t>Flights</a:t>
+            </a:r>
+            <a:endParaRPr lang="en-US" sz="1400" b="0" dirty="0"/>
           </a:p>
           <a:p>
             <a:endParaRPr lang="en-US" dirty="0"/>
